--- a/companion-website/public/files/27. Dealing with Doubt.pptx
+++ b/companion-website/public/files/27. Dealing with Doubt.pptx
@@ -221,7 +221,7 @@
           <a:p>
             <a:fld id="{8F7EB338-8BB0-B64B-9F79-C87EA24D723F}" type="datetimeFigureOut">
               <a:rPr lang="en-US" smtClean="0"/>
-              <a:t>7/18/20</a:t>
+              <a:t>12/18/20</a:t>
             </a:fld>
             <a:endParaRPr lang="en-US"/>
           </a:p>
@@ -756,7 +756,7 @@
             <a:fld id="{DBE77699-C466-4996-ADED-71C8160E04A2}" type="datetimeFigureOut">
               <a:rPr lang="en-US" smtClean="0"/>
               <a:pPr/>
-              <a:t>7/18/20</a:t>
+              <a:t>12/18/20</a:t>
             </a:fld>
             <a:endParaRPr lang="en-US"/>
           </a:p>
@@ -921,7 +921,7 @@
             <a:fld id="{DBE77699-C466-4996-ADED-71C8160E04A2}" type="datetimeFigureOut">
               <a:rPr lang="en-US" smtClean="0"/>
               <a:pPr/>
-              <a:t>7/18/20</a:t>
+              <a:t>12/18/20</a:t>
             </a:fld>
             <a:endParaRPr lang="en-US"/>
           </a:p>
@@ -1096,7 +1096,7 @@
             <a:fld id="{DBE77699-C466-4996-ADED-71C8160E04A2}" type="datetimeFigureOut">
               <a:rPr lang="en-US" smtClean="0"/>
               <a:pPr/>
-              <a:t>7/18/20</a:t>
+              <a:t>12/18/20</a:t>
             </a:fld>
             <a:endParaRPr lang="en-US"/>
           </a:p>
@@ -1215,7 +1215,7 @@
             <a:fld id="{DBE77699-C466-4996-ADED-71C8160E04A2}" type="datetimeFigureOut">
               <a:rPr lang="en-US" smtClean="0"/>
               <a:pPr/>
-              <a:t>7/18/20</a:t>
+              <a:t>12/18/20</a:t>
             </a:fld>
             <a:endParaRPr lang="en-US"/>
           </a:p>
@@ -1623,7 +1623,7 @@
             <a:fld id="{DBE77699-C466-4996-ADED-71C8160E04A2}" type="datetimeFigureOut">
               <a:rPr lang="en-US" smtClean="0"/>
               <a:pPr/>
-              <a:t>7/18/20</a:t>
+              <a:t>12/18/20</a:t>
             </a:fld>
             <a:endParaRPr lang="en-US"/>
           </a:p>
@@ -1865,7 +1865,7 @@
             <a:fld id="{DBE77699-C466-4996-ADED-71C8160E04A2}" type="datetimeFigureOut">
               <a:rPr lang="en-US" smtClean="0"/>
               <a:pPr/>
-              <a:t>7/18/20</a:t>
+              <a:t>12/18/20</a:t>
             </a:fld>
             <a:endParaRPr lang="en-US"/>
           </a:p>
@@ -2147,7 +2147,7 @@
             <a:fld id="{DBE77699-C466-4996-ADED-71C8160E04A2}" type="datetimeFigureOut">
               <a:rPr lang="en-US" smtClean="0"/>
               <a:pPr/>
-              <a:t>7/18/20</a:t>
+              <a:t>12/18/20</a:t>
             </a:fld>
             <a:endParaRPr lang="en-US"/>
           </a:p>
@@ -2563,7 +2563,7 @@
             <a:fld id="{DBE77699-C466-4996-ADED-71C8160E04A2}" type="datetimeFigureOut">
               <a:rPr lang="en-US" smtClean="0"/>
               <a:pPr/>
-              <a:t>7/18/20</a:t>
+              <a:t>12/18/20</a:t>
             </a:fld>
             <a:endParaRPr lang="en-US"/>
           </a:p>
@@ -2677,7 +2677,7 @@
             <a:fld id="{DBE77699-C466-4996-ADED-71C8160E04A2}" type="datetimeFigureOut">
               <a:rPr lang="en-US" smtClean="0"/>
               <a:pPr/>
-              <a:t>7/18/20</a:t>
+              <a:t>12/18/20</a:t>
             </a:fld>
             <a:endParaRPr lang="en-US"/>
           </a:p>
@@ -2769,7 +2769,7 @@
             <a:fld id="{DBE77699-C466-4996-ADED-71C8160E04A2}" type="datetimeFigureOut">
               <a:rPr lang="en-US" smtClean="0"/>
               <a:pPr/>
-              <a:t>7/18/20</a:t>
+              <a:t>12/18/20</a:t>
             </a:fld>
             <a:endParaRPr lang="en-US"/>
           </a:p>
@@ -3041,7 +3041,7 @@
             <a:fld id="{DBE77699-C466-4996-ADED-71C8160E04A2}" type="datetimeFigureOut">
               <a:rPr lang="en-US" smtClean="0"/>
               <a:pPr/>
-              <a:t>7/18/20</a:t>
+              <a:t>12/18/20</a:t>
             </a:fld>
             <a:endParaRPr lang="en-US"/>
           </a:p>
@@ -3290,7 +3290,7 @@
             <a:fld id="{DBE77699-C466-4996-ADED-71C8160E04A2}" type="datetimeFigureOut">
               <a:rPr lang="en-US" smtClean="0"/>
               <a:pPr/>
-              <a:t>7/18/20</a:t>
+              <a:t>12/18/20</a:t>
             </a:fld>
             <a:endParaRPr lang="en-US"/>
           </a:p>
@@ -3501,7 +3501,7 @@
             <a:fld id="{DBE77699-C466-4996-ADED-71C8160E04A2}" type="datetimeFigureOut">
               <a:rPr lang="en-US" smtClean="0"/>
               <a:pPr/>
-              <a:t>7/18/20</a:t>
+              <a:t>12/18/20</a:t>
             </a:fld>
             <a:endParaRPr lang="en-US"/>
           </a:p>
@@ -8219,7 +8219,7 @@
 </file>
 
 <file path=ppt/slides/slide7.xml><?xml version="1.0" encoding="utf-8"?>
-<p:sld xmlns:a="http://schemas.openxmlformats.org/drawingml/2006/main" xmlns:r="http://schemas.openxmlformats.org/officeDocument/2006/relationships" xmlns:p="http://schemas.openxmlformats.org/presentationml/2006/main">
+<p:sld xmlns:a="http://schemas.openxmlformats.org/drawingml/2006/main" xmlns:r="http://schemas.openxmlformats.org/officeDocument/2006/relationships" xmlns:p="http://schemas.openxmlformats.org/presentationml/2006/main" show="0">
   <p:cSld>
     <p:spTree>
       <p:nvGrpSpPr>
